--- a/Session 6 - Misc/Slides LVM session 6 - Misc.pptx
+++ b/Session 6 - Misc/Slides LVM session 6 - Misc.pptx
@@ -5,10 +5,10 @@
     <p:sldMasterId id="2147483660" r:id="rId1"/>
   </p:sldMasterIdLst>
   <p:notesMasterIdLst>
-    <p:notesMasterId r:id="rId13"/>
+    <p:notesMasterId r:id="rId15"/>
   </p:notesMasterIdLst>
   <p:handoutMasterIdLst>
-    <p:handoutMasterId r:id="rId14"/>
+    <p:handoutMasterId r:id="rId16"/>
   </p:handoutMasterIdLst>
   <p:sldIdLst>
     <p:sldId id="256" r:id="rId2"/>
@@ -17,11 +17,13 @@
     <p:sldId id="295" r:id="rId5"/>
     <p:sldId id="293" r:id="rId6"/>
     <p:sldId id="294" r:id="rId7"/>
-    <p:sldId id="284" r:id="rId8"/>
-    <p:sldId id="283" r:id="rId9"/>
-    <p:sldId id="285" r:id="rId10"/>
-    <p:sldId id="292" r:id="rId11"/>
-    <p:sldId id="272" r:id="rId12"/>
+    <p:sldId id="297" r:id="rId8"/>
+    <p:sldId id="284" r:id="rId9"/>
+    <p:sldId id="283" r:id="rId10"/>
+    <p:sldId id="296" r:id="rId11"/>
+    <p:sldId id="292" r:id="rId12"/>
+    <p:sldId id="298" r:id="rId13"/>
+    <p:sldId id="272" r:id="rId14"/>
   </p:sldIdLst>
   <p:sldSz cx="9144000" cy="6858000" type="screen4x3"/>
   <p:notesSz cx="7099300" cy="10234613"/>
@@ -4429,6 +4431,835 @@
       </p:grpSpPr>
       <p:sp>
         <p:nvSpPr>
+          <p:cNvPr id="2" name="Title 1">
+            <a:extLst>
+              <a:ext uri="{FF2B5EF4-FFF2-40B4-BE49-F238E27FC236}">
+                <a16:creationId xmlns:a16="http://schemas.microsoft.com/office/drawing/2014/main" id="{E8AA5423-EC2D-4F6A-A1DE-04C365086B70}"/>
+              </a:ext>
+            </a:extLst>
+          </p:cNvPr>
+          <p:cNvSpPr>
+            <a:spLocks noGrp="1"/>
+          </p:cNvSpPr>
+          <p:nvPr>
+            <p:ph type="title"/>
+          </p:nvPr>
+        </p:nvSpPr>
+        <p:spPr/>
+        <p:txBody>
+          <a:bodyPr/>
+          <a:lstStyle/>
+          <a:p>
+            <a:endParaRPr lang="nl-NL"/>
+          </a:p>
+        </p:txBody>
+      </p:sp>
+      <p:sp>
+        <p:nvSpPr>
+          <p:cNvPr id="3" name="Content Placeholder 2">
+            <a:extLst>
+              <a:ext uri="{FF2B5EF4-FFF2-40B4-BE49-F238E27FC236}">
+                <a16:creationId xmlns:a16="http://schemas.microsoft.com/office/drawing/2014/main" id="{E2F52142-1BBA-4F31-BF5B-9E158376B1FE}"/>
+              </a:ext>
+            </a:extLst>
+          </p:cNvPr>
+          <p:cNvSpPr>
+            <a:spLocks noGrp="1"/>
+          </p:cNvSpPr>
+          <p:nvPr>
+            <p:ph sz="quarter" idx="1"/>
+          </p:nvPr>
+        </p:nvSpPr>
+        <p:spPr/>
+        <p:txBody>
+          <a:bodyPr/>
+          <a:lstStyle/>
+          <a:p>
+            <a:endParaRPr lang="nl-NL"/>
+          </a:p>
+        </p:txBody>
+      </p:sp>
+    </p:spTree>
+    <p:extLst>
+      <p:ext uri="{BB962C8B-B14F-4D97-AF65-F5344CB8AC3E}">
+        <p14:creationId xmlns:p14="http://schemas.microsoft.com/office/powerpoint/2010/main" val="1897939510"/>
+      </p:ext>
+    </p:extLst>
+  </p:cSld>
+  <p:clrMapOvr>
+    <a:masterClrMapping/>
+  </p:clrMapOvr>
+</p:sld>
+</file>
+
+<file path=ppt/slides/slide11.xml><?xml version="1.0" encoding="utf-8"?>
+<p:sld xmlns:a="http://schemas.openxmlformats.org/drawingml/2006/main" xmlns:r="http://schemas.openxmlformats.org/officeDocument/2006/relationships" xmlns:p="http://schemas.openxmlformats.org/presentationml/2006/main">
+  <p:cSld>
+    <p:spTree>
+      <p:nvGrpSpPr>
+        <p:cNvPr id="1" name=""/>
+        <p:cNvGrpSpPr/>
+        <p:nvPr/>
+      </p:nvGrpSpPr>
+      <p:grpSpPr>
+        <a:xfrm>
+          <a:off x="0" y="0"/>
+          <a:ext cx="0" cy="0"/>
+          <a:chOff x="0" y="0"/>
+          <a:chExt cx="0" cy="0"/>
+        </a:xfrm>
+      </p:grpSpPr>
+      <p:sp>
+        <p:nvSpPr>
+          <p:cNvPr id="2" name="Title 1"/>
+          <p:cNvSpPr>
+            <a:spLocks noGrp="1"/>
+          </p:cNvSpPr>
+          <p:nvPr>
+            <p:ph type="title"/>
+          </p:nvPr>
+        </p:nvSpPr>
+        <p:spPr/>
+        <p:txBody>
+          <a:bodyPr/>
+          <a:lstStyle/>
+          <a:p>
+            <a:r>
+              <a:rPr lang="en-US" dirty="0"/>
+              <a:t>Missing data</a:t>
+            </a:r>
+            <a:endParaRPr lang="nl-NL" dirty="0"/>
+          </a:p>
+        </p:txBody>
+      </p:sp>
+      <p:sp>
+        <p:nvSpPr>
+          <p:cNvPr id="3" name="Content Placeholder 2"/>
+          <p:cNvSpPr>
+            <a:spLocks noGrp="1"/>
+          </p:cNvSpPr>
+          <p:nvPr>
+            <p:ph sz="quarter" idx="1"/>
+          </p:nvPr>
+        </p:nvSpPr>
+        <p:spPr>
+          <a:xfrm>
+            <a:off x="612648" y="1600200"/>
+            <a:ext cx="8153400" cy="5257800"/>
+          </a:xfrm>
+        </p:spPr>
+        <p:txBody>
+          <a:bodyPr>
+            <a:normAutofit fontScale="62500" lnSpcReduction="20000"/>
+          </a:bodyPr>
+          <a:lstStyle/>
+          <a:p>
+            <a:r>
+              <a:rPr lang="en-US" dirty="0"/>
+              <a:t>Missing Completely At Random (MCAR)</a:t>
+            </a:r>
+          </a:p>
+          <a:p>
+            <a:pPr lvl="1"/>
+            <a:r>
+              <a:rPr lang="en-US" dirty="0"/>
+              <a:t>As name implies, </a:t>
+            </a:r>
+            <a:r>
+              <a:rPr lang="en-US" dirty="0" err="1"/>
+              <a:t>missingness</a:t>
+            </a:r>
+            <a:r>
+              <a:rPr lang="en-US" dirty="0"/>
+              <a:t> is completely random (</a:t>
+            </a:r>
+            <a:r>
+              <a:rPr lang="en-US" dirty="0" err="1"/>
+              <a:t>i</a:t>
+            </a:r>
+            <a:r>
+              <a:rPr lang="en-US" dirty="0"/>
+              <a:t>..e, not associated with any variables in the model. </a:t>
+            </a:r>
+          </a:p>
+          <a:p>
+            <a:pPr lvl="1"/>
+            <a:r>
+              <a:rPr lang="en-US" dirty="0"/>
+              <a:t>Nothing systematic that makes some values more likely to be missing than others.</a:t>
+            </a:r>
+          </a:p>
+          <a:p>
+            <a:r>
+              <a:rPr lang="en-US" dirty="0"/>
+              <a:t>Missing At Random (MAR)</a:t>
+            </a:r>
+          </a:p>
+          <a:p>
+            <a:pPr lvl="1"/>
+            <a:r>
+              <a:rPr lang="en-US" dirty="0"/>
+              <a:t>There is a systematic relationship between the </a:t>
+            </a:r>
+            <a:r>
+              <a:rPr lang="en-US" dirty="0" err="1"/>
+              <a:t>missingness</a:t>
+            </a:r>
+            <a:r>
+              <a:rPr lang="en-US" dirty="0"/>
+              <a:t> and the </a:t>
+            </a:r>
+            <a:r>
+              <a:rPr lang="en-US" i="1" dirty="0"/>
+              <a:t>observed</a:t>
+            </a:r>
+            <a:r>
+              <a:rPr lang="en-US" dirty="0"/>
+              <a:t> data, but </a:t>
+            </a:r>
+            <a:r>
+              <a:rPr lang="en-US" i="1" dirty="0"/>
+              <a:t>not</a:t>
+            </a:r>
+            <a:r>
+              <a:rPr lang="en-US" dirty="0"/>
+              <a:t> the missing data.</a:t>
+            </a:r>
+          </a:p>
+          <a:p>
+            <a:pPr lvl="1"/>
+            <a:r>
+              <a:rPr lang="en-US" dirty="0"/>
+              <a:t>Whether an observation is missing is independent from the missing value itself, but it may be dependent on other observed variables in the model</a:t>
+            </a:r>
+          </a:p>
+          <a:p>
+            <a:pPr lvl="1"/>
+            <a:r>
+              <a:rPr lang="en-US" dirty="0"/>
+              <a:t>E.g., dataset with gender and weight. Gender has no </a:t>
+            </a:r>
+            <a:r>
+              <a:rPr lang="en-US" dirty="0" err="1"/>
+              <a:t>missings</a:t>
+            </a:r>
+            <a:r>
+              <a:rPr lang="en-US" dirty="0"/>
+              <a:t>, weight has </a:t>
+            </a:r>
+            <a:r>
+              <a:rPr lang="en-US" dirty="0" err="1"/>
+              <a:t>missings</a:t>
+            </a:r>
+            <a:endParaRPr lang="en-US" dirty="0"/>
+          </a:p>
+          <a:p>
+            <a:pPr lvl="2"/>
+            <a:r>
+              <a:rPr lang="en-US" dirty="0"/>
+              <a:t>If women are more likely to have weight missing, missing is MAR</a:t>
+            </a:r>
+          </a:p>
+          <a:p>
+            <a:pPr lvl="2"/>
+            <a:r>
+              <a:rPr lang="en-US" dirty="0"/>
+              <a:t>If people with higher weight are more likely to have missing weight, missing is MNAR</a:t>
+            </a:r>
+          </a:p>
+          <a:p>
+            <a:r>
+              <a:rPr lang="en-US" dirty="0"/>
+              <a:t>Missing Not At Random (MNAR)</a:t>
+            </a:r>
+          </a:p>
+          <a:p>
+            <a:pPr lvl="1"/>
+            <a:r>
+              <a:rPr lang="en-US" dirty="0" err="1"/>
+              <a:t>Missingness</a:t>
+            </a:r>
+            <a:r>
+              <a:rPr lang="en-US" dirty="0"/>
+              <a:t> and missing values are dependent</a:t>
+            </a:r>
+          </a:p>
+          <a:p>
+            <a:pPr lvl="1"/>
+            <a:r>
+              <a:rPr lang="en-US" dirty="0"/>
+              <a:t>Note: what is MNAR in one model may be MAR in another model</a:t>
+            </a:r>
+          </a:p>
+          <a:p>
+            <a:pPr lvl="2"/>
+            <a:r>
+              <a:rPr lang="en-US" dirty="0"/>
+              <a:t>E.g., if women are more likely not to report their weight than men, and gender is not included in the model, missing MNAR. If gender is included in the model, missing is MAR</a:t>
+            </a:r>
+          </a:p>
+          <a:p>
+            <a:pPr lvl="2"/>
+            <a:r>
+              <a:rPr lang="en-US" dirty="0"/>
+              <a:t>Thus, can make MNAR into MAR by adding variables to the model (‘auxiliary variables’ approach)</a:t>
+            </a:r>
+          </a:p>
+        </p:txBody>
+      </p:sp>
+    </p:spTree>
+    <p:extLst>
+      <p:ext uri="{BB962C8B-B14F-4D97-AF65-F5344CB8AC3E}">
+        <p14:creationId xmlns:p14="http://schemas.microsoft.com/office/powerpoint/2010/main" val="700395730"/>
+      </p:ext>
+    </p:extLst>
+  </p:cSld>
+  <p:clrMapOvr>
+    <a:masterClrMapping/>
+  </p:clrMapOvr>
+  <p:timing>
+    <p:tnLst>
+      <p:par>
+        <p:cTn id="1" dur="indefinite" restart="never" nodeType="tmRoot">
+          <p:childTnLst>
+            <p:seq concurrent="1" nextAc="seek">
+              <p:cTn id="2" dur="indefinite" nodeType="mainSeq">
+                <p:childTnLst>
+                  <p:par>
+                    <p:cTn id="3" fill="hold">
+                      <p:stCondLst>
+                        <p:cond delay="indefinite"/>
+                      </p:stCondLst>
+                      <p:childTnLst>
+                        <p:par>
+                          <p:cTn id="4" fill="hold">
+                            <p:stCondLst>
+                              <p:cond delay="0"/>
+                            </p:stCondLst>
+                            <p:childTnLst>
+                              <p:par>
+                                <p:cTn id="5" presetID="1" presetClass="entr" presetSubtype="0" fill="hold" grpId="0" nodeType="clickEffect">
+                                  <p:stCondLst>
+                                    <p:cond delay="0"/>
+                                  </p:stCondLst>
+                                  <p:childTnLst>
+                                    <p:set>
+                                      <p:cBhvr>
+                                        <p:cTn id="6" dur="1" fill="hold">
+                                          <p:stCondLst>
+                                            <p:cond delay="0"/>
+                                          </p:stCondLst>
+                                        </p:cTn>
+                                        <p:tgtEl>
+                                          <p:spTgt spid="3">
+                                            <p:txEl>
+                                              <p:pRg st="0" end="0"/>
+                                            </p:txEl>
+                                          </p:spTgt>
+                                        </p:tgtEl>
+                                        <p:attrNameLst>
+                                          <p:attrName>style.visibility</p:attrName>
+                                        </p:attrNameLst>
+                                      </p:cBhvr>
+                                      <p:to>
+                                        <p:strVal val="visible"/>
+                                      </p:to>
+                                    </p:set>
+                                  </p:childTnLst>
+                                </p:cTn>
+                              </p:par>
+                              <p:par>
+                                <p:cTn id="7" presetID="1" presetClass="entr" presetSubtype="0" fill="hold" grpId="0" nodeType="withEffect">
+                                  <p:stCondLst>
+                                    <p:cond delay="0"/>
+                                  </p:stCondLst>
+                                  <p:childTnLst>
+                                    <p:set>
+                                      <p:cBhvr>
+                                        <p:cTn id="8" dur="1" fill="hold">
+                                          <p:stCondLst>
+                                            <p:cond delay="0"/>
+                                          </p:stCondLst>
+                                        </p:cTn>
+                                        <p:tgtEl>
+                                          <p:spTgt spid="3">
+                                            <p:txEl>
+                                              <p:pRg st="1" end="1"/>
+                                            </p:txEl>
+                                          </p:spTgt>
+                                        </p:tgtEl>
+                                        <p:attrNameLst>
+                                          <p:attrName>style.visibility</p:attrName>
+                                        </p:attrNameLst>
+                                      </p:cBhvr>
+                                      <p:to>
+                                        <p:strVal val="visible"/>
+                                      </p:to>
+                                    </p:set>
+                                  </p:childTnLst>
+                                </p:cTn>
+                              </p:par>
+                              <p:par>
+                                <p:cTn id="9" presetID="1" presetClass="entr" presetSubtype="0" fill="hold" grpId="0" nodeType="withEffect">
+                                  <p:stCondLst>
+                                    <p:cond delay="0"/>
+                                  </p:stCondLst>
+                                  <p:childTnLst>
+                                    <p:set>
+                                      <p:cBhvr>
+                                        <p:cTn id="10" dur="1" fill="hold">
+                                          <p:stCondLst>
+                                            <p:cond delay="0"/>
+                                          </p:stCondLst>
+                                        </p:cTn>
+                                        <p:tgtEl>
+                                          <p:spTgt spid="3">
+                                            <p:txEl>
+                                              <p:pRg st="2" end="2"/>
+                                            </p:txEl>
+                                          </p:spTgt>
+                                        </p:tgtEl>
+                                        <p:attrNameLst>
+                                          <p:attrName>style.visibility</p:attrName>
+                                        </p:attrNameLst>
+                                      </p:cBhvr>
+                                      <p:to>
+                                        <p:strVal val="visible"/>
+                                      </p:to>
+                                    </p:set>
+                                  </p:childTnLst>
+                                </p:cTn>
+                              </p:par>
+                            </p:childTnLst>
+                          </p:cTn>
+                        </p:par>
+                      </p:childTnLst>
+                    </p:cTn>
+                  </p:par>
+                  <p:par>
+                    <p:cTn id="11" fill="hold">
+                      <p:stCondLst>
+                        <p:cond delay="indefinite"/>
+                      </p:stCondLst>
+                      <p:childTnLst>
+                        <p:par>
+                          <p:cTn id="12" fill="hold">
+                            <p:stCondLst>
+                              <p:cond delay="0"/>
+                            </p:stCondLst>
+                            <p:childTnLst>
+                              <p:par>
+                                <p:cTn id="13" presetID="1" presetClass="entr" presetSubtype="0" fill="hold" grpId="0" nodeType="clickEffect">
+                                  <p:stCondLst>
+                                    <p:cond delay="0"/>
+                                  </p:stCondLst>
+                                  <p:childTnLst>
+                                    <p:set>
+                                      <p:cBhvr>
+                                        <p:cTn id="14" dur="1" fill="hold">
+                                          <p:stCondLst>
+                                            <p:cond delay="0"/>
+                                          </p:stCondLst>
+                                        </p:cTn>
+                                        <p:tgtEl>
+                                          <p:spTgt spid="3">
+                                            <p:txEl>
+                                              <p:pRg st="3" end="3"/>
+                                            </p:txEl>
+                                          </p:spTgt>
+                                        </p:tgtEl>
+                                        <p:attrNameLst>
+                                          <p:attrName>style.visibility</p:attrName>
+                                        </p:attrNameLst>
+                                      </p:cBhvr>
+                                      <p:to>
+                                        <p:strVal val="visible"/>
+                                      </p:to>
+                                    </p:set>
+                                  </p:childTnLst>
+                                </p:cTn>
+                              </p:par>
+                              <p:par>
+                                <p:cTn id="15" presetID="1" presetClass="entr" presetSubtype="0" fill="hold" grpId="0" nodeType="withEffect">
+                                  <p:stCondLst>
+                                    <p:cond delay="0"/>
+                                  </p:stCondLst>
+                                  <p:childTnLst>
+                                    <p:set>
+                                      <p:cBhvr>
+                                        <p:cTn id="16" dur="1" fill="hold">
+                                          <p:stCondLst>
+                                            <p:cond delay="0"/>
+                                          </p:stCondLst>
+                                        </p:cTn>
+                                        <p:tgtEl>
+                                          <p:spTgt spid="3">
+                                            <p:txEl>
+                                              <p:pRg st="4" end="4"/>
+                                            </p:txEl>
+                                          </p:spTgt>
+                                        </p:tgtEl>
+                                        <p:attrNameLst>
+                                          <p:attrName>style.visibility</p:attrName>
+                                        </p:attrNameLst>
+                                      </p:cBhvr>
+                                      <p:to>
+                                        <p:strVal val="visible"/>
+                                      </p:to>
+                                    </p:set>
+                                  </p:childTnLst>
+                                </p:cTn>
+                              </p:par>
+                              <p:par>
+                                <p:cTn id="17" presetID="1" presetClass="entr" presetSubtype="0" fill="hold" grpId="0" nodeType="withEffect">
+                                  <p:stCondLst>
+                                    <p:cond delay="0"/>
+                                  </p:stCondLst>
+                                  <p:childTnLst>
+                                    <p:set>
+                                      <p:cBhvr>
+                                        <p:cTn id="18" dur="1" fill="hold">
+                                          <p:stCondLst>
+                                            <p:cond delay="0"/>
+                                          </p:stCondLst>
+                                        </p:cTn>
+                                        <p:tgtEl>
+                                          <p:spTgt spid="3">
+                                            <p:txEl>
+                                              <p:pRg st="5" end="5"/>
+                                            </p:txEl>
+                                          </p:spTgt>
+                                        </p:tgtEl>
+                                        <p:attrNameLst>
+                                          <p:attrName>style.visibility</p:attrName>
+                                        </p:attrNameLst>
+                                      </p:cBhvr>
+                                      <p:to>
+                                        <p:strVal val="visible"/>
+                                      </p:to>
+                                    </p:set>
+                                  </p:childTnLst>
+                                </p:cTn>
+                              </p:par>
+                              <p:par>
+                                <p:cTn id="19" presetID="1" presetClass="entr" presetSubtype="0" fill="hold" grpId="0" nodeType="withEffect">
+                                  <p:stCondLst>
+                                    <p:cond delay="0"/>
+                                  </p:stCondLst>
+                                  <p:childTnLst>
+                                    <p:set>
+                                      <p:cBhvr>
+                                        <p:cTn id="20" dur="1" fill="hold">
+                                          <p:stCondLst>
+                                            <p:cond delay="0"/>
+                                          </p:stCondLst>
+                                        </p:cTn>
+                                        <p:tgtEl>
+                                          <p:spTgt spid="3">
+                                            <p:txEl>
+                                              <p:pRg st="6" end="6"/>
+                                            </p:txEl>
+                                          </p:spTgt>
+                                        </p:tgtEl>
+                                        <p:attrNameLst>
+                                          <p:attrName>style.visibility</p:attrName>
+                                        </p:attrNameLst>
+                                      </p:cBhvr>
+                                      <p:to>
+                                        <p:strVal val="visible"/>
+                                      </p:to>
+                                    </p:set>
+                                  </p:childTnLst>
+                                </p:cTn>
+                              </p:par>
+                              <p:par>
+                                <p:cTn id="21" presetID="1" presetClass="entr" presetSubtype="0" fill="hold" grpId="0" nodeType="withEffect">
+                                  <p:stCondLst>
+                                    <p:cond delay="0"/>
+                                  </p:stCondLst>
+                                  <p:childTnLst>
+                                    <p:set>
+                                      <p:cBhvr>
+                                        <p:cTn id="22" dur="1" fill="hold">
+                                          <p:stCondLst>
+                                            <p:cond delay="0"/>
+                                          </p:stCondLst>
+                                        </p:cTn>
+                                        <p:tgtEl>
+                                          <p:spTgt spid="3">
+                                            <p:txEl>
+                                              <p:pRg st="7" end="7"/>
+                                            </p:txEl>
+                                          </p:spTgt>
+                                        </p:tgtEl>
+                                        <p:attrNameLst>
+                                          <p:attrName>style.visibility</p:attrName>
+                                        </p:attrNameLst>
+                                      </p:cBhvr>
+                                      <p:to>
+                                        <p:strVal val="visible"/>
+                                      </p:to>
+                                    </p:set>
+                                  </p:childTnLst>
+                                </p:cTn>
+                              </p:par>
+                              <p:par>
+                                <p:cTn id="23" presetID="1" presetClass="entr" presetSubtype="0" fill="hold" grpId="0" nodeType="withEffect">
+                                  <p:stCondLst>
+                                    <p:cond delay="0"/>
+                                  </p:stCondLst>
+                                  <p:childTnLst>
+                                    <p:set>
+                                      <p:cBhvr>
+                                        <p:cTn id="24" dur="1" fill="hold">
+                                          <p:stCondLst>
+                                            <p:cond delay="0"/>
+                                          </p:stCondLst>
+                                        </p:cTn>
+                                        <p:tgtEl>
+                                          <p:spTgt spid="3">
+                                            <p:txEl>
+                                              <p:pRg st="8" end="8"/>
+                                            </p:txEl>
+                                          </p:spTgt>
+                                        </p:tgtEl>
+                                        <p:attrNameLst>
+                                          <p:attrName>style.visibility</p:attrName>
+                                        </p:attrNameLst>
+                                      </p:cBhvr>
+                                      <p:to>
+                                        <p:strVal val="visible"/>
+                                      </p:to>
+                                    </p:set>
+                                  </p:childTnLst>
+                                </p:cTn>
+                              </p:par>
+                            </p:childTnLst>
+                          </p:cTn>
+                        </p:par>
+                      </p:childTnLst>
+                    </p:cTn>
+                  </p:par>
+                  <p:par>
+                    <p:cTn id="25" fill="hold">
+                      <p:stCondLst>
+                        <p:cond delay="indefinite"/>
+                      </p:stCondLst>
+                      <p:childTnLst>
+                        <p:par>
+                          <p:cTn id="26" fill="hold">
+                            <p:stCondLst>
+                              <p:cond delay="0"/>
+                            </p:stCondLst>
+                            <p:childTnLst>
+                              <p:par>
+                                <p:cTn id="27" presetID="1" presetClass="entr" presetSubtype="0" fill="hold" grpId="0" nodeType="clickEffect">
+                                  <p:stCondLst>
+                                    <p:cond delay="0"/>
+                                  </p:stCondLst>
+                                  <p:childTnLst>
+                                    <p:set>
+                                      <p:cBhvr>
+                                        <p:cTn id="28" dur="1" fill="hold">
+                                          <p:stCondLst>
+                                            <p:cond delay="0"/>
+                                          </p:stCondLst>
+                                        </p:cTn>
+                                        <p:tgtEl>
+                                          <p:spTgt spid="3">
+                                            <p:txEl>
+                                              <p:pRg st="9" end="9"/>
+                                            </p:txEl>
+                                          </p:spTgt>
+                                        </p:tgtEl>
+                                        <p:attrNameLst>
+                                          <p:attrName>style.visibility</p:attrName>
+                                        </p:attrNameLst>
+                                      </p:cBhvr>
+                                      <p:to>
+                                        <p:strVal val="visible"/>
+                                      </p:to>
+                                    </p:set>
+                                  </p:childTnLst>
+                                </p:cTn>
+                              </p:par>
+                              <p:par>
+                                <p:cTn id="29" presetID="1" presetClass="entr" presetSubtype="0" fill="hold" grpId="0" nodeType="withEffect">
+                                  <p:stCondLst>
+                                    <p:cond delay="0"/>
+                                  </p:stCondLst>
+                                  <p:childTnLst>
+                                    <p:set>
+                                      <p:cBhvr>
+                                        <p:cTn id="30" dur="1" fill="hold">
+                                          <p:stCondLst>
+                                            <p:cond delay="0"/>
+                                          </p:stCondLst>
+                                        </p:cTn>
+                                        <p:tgtEl>
+                                          <p:spTgt spid="3">
+                                            <p:txEl>
+                                              <p:pRg st="10" end="10"/>
+                                            </p:txEl>
+                                          </p:spTgt>
+                                        </p:tgtEl>
+                                        <p:attrNameLst>
+                                          <p:attrName>style.visibility</p:attrName>
+                                        </p:attrNameLst>
+                                      </p:cBhvr>
+                                      <p:to>
+                                        <p:strVal val="visible"/>
+                                      </p:to>
+                                    </p:set>
+                                  </p:childTnLst>
+                                </p:cTn>
+                              </p:par>
+                              <p:par>
+                                <p:cTn id="31" presetID="1" presetClass="entr" presetSubtype="0" fill="hold" grpId="0" nodeType="withEffect">
+                                  <p:stCondLst>
+                                    <p:cond delay="0"/>
+                                  </p:stCondLst>
+                                  <p:childTnLst>
+                                    <p:set>
+                                      <p:cBhvr>
+                                        <p:cTn id="32" dur="1" fill="hold">
+                                          <p:stCondLst>
+                                            <p:cond delay="0"/>
+                                          </p:stCondLst>
+                                        </p:cTn>
+                                        <p:tgtEl>
+                                          <p:spTgt spid="3">
+                                            <p:txEl>
+                                              <p:pRg st="11" end="11"/>
+                                            </p:txEl>
+                                          </p:spTgt>
+                                        </p:tgtEl>
+                                        <p:attrNameLst>
+                                          <p:attrName>style.visibility</p:attrName>
+                                        </p:attrNameLst>
+                                      </p:cBhvr>
+                                      <p:to>
+                                        <p:strVal val="visible"/>
+                                      </p:to>
+                                    </p:set>
+                                  </p:childTnLst>
+                                </p:cTn>
+                              </p:par>
+                              <p:par>
+                                <p:cTn id="33" presetID="1" presetClass="entr" presetSubtype="0" fill="hold" grpId="0" nodeType="withEffect">
+                                  <p:stCondLst>
+                                    <p:cond delay="0"/>
+                                  </p:stCondLst>
+                                  <p:childTnLst>
+                                    <p:set>
+                                      <p:cBhvr>
+                                        <p:cTn id="34" dur="1" fill="hold">
+                                          <p:stCondLst>
+                                            <p:cond delay="0"/>
+                                          </p:stCondLst>
+                                        </p:cTn>
+                                        <p:tgtEl>
+                                          <p:spTgt spid="3">
+                                            <p:txEl>
+                                              <p:pRg st="12" end="12"/>
+                                            </p:txEl>
+                                          </p:spTgt>
+                                        </p:tgtEl>
+                                        <p:attrNameLst>
+                                          <p:attrName>style.visibility</p:attrName>
+                                        </p:attrNameLst>
+                                      </p:cBhvr>
+                                      <p:to>
+                                        <p:strVal val="visible"/>
+                                      </p:to>
+                                    </p:set>
+                                  </p:childTnLst>
+                                </p:cTn>
+                              </p:par>
+                              <p:par>
+                                <p:cTn id="35" presetID="1" presetClass="entr" presetSubtype="0" fill="hold" grpId="0" nodeType="withEffect">
+                                  <p:stCondLst>
+                                    <p:cond delay="0"/>
+                                  </p:stCondLst>
+                                  <p:childTnLst>
+                                    <p:set>
+                                      <p:cBhvr>
+                                        <p:cTn id="36" dur="1" fill="hold">
+                                          <p:stCondLst>
+                                            <p:cond delay="0"/>
+                                          </p:stCondLst>
+                                        </p:cTn>
+                                        <p:tgtEl>
+                                          <p:spTgt spid="3">
+                                            <p:txEl>
+                                              <p:pRg st="13" end="13"/>
+                                            </p:txEl>
+                                          </p:spTgt>
+                                        </p:tgtEl>
+                                        <p:attrNameLst>
+                                          <p:attrName>style.visibility</p:attrName>
+                                        </p:attrNameLst>
+                                      </p:cBhvr>
+                                      <p:to>
+                                        <p:strVal val="visible"/>
+                                      </p:to>
+                                    </p:set>
+                                  </p:childTnLst>
+                                </p:cTn>
+                              </p:par>
+                            </p:childTnLst>
+                          </p:cTn>
+                        </p:par>
+                      </p:childTnLst>
+                    </p:cTn>
+                  </p:par>
+                </p:childTnLst>
+              </p:cTn>
+              <p:prevCondLst>
+                <p:cond evt="onPrev" delay="0">
+                  <p:tgtEl>
+                    <p:sldTgt/>
+                  </p:tgtEl>
+                </p:cond>
+              </p:prevCondLst>
+              <p:nextCondLst>
+                <p:cond evt="onNext" delay="0">
+                  <p:tgtEl>
+                    <p:sldTgt/>
+                  </p:tgtEl>
+                </p:cond>
+              </p:nextCondLst>
+            </p:seq>
+          </p:childTnLst>
+        </p:cTn>
+      </p:par>
+    </p:tnLst>
+    <p:bldLst>
+      <p:bldP spid="3" grpId="0" build="p"/>
+    </p:bldLst>
+  </p:timing>
+</p:sld>
+</file>
+
+<file path=ppt/slides/slide12.xml><?xml version="1.0" encoding="utf-8"?>
+<p:sld xmlns:a="http://schemas.openxmlformats.org/drawingml/2006/main" xmlns:r="http://schemas.openxmlformats.org/officeDocument/2006/relationships" xmlns:p="http://schemas.openxmlformats.org/presentationml/2006/main">
+  <p:cSld>
+    <p:spTree>
+      <p:nvGrpSpPr>
+        <p:cNvPr id="1" name=""/>
+        <p:cNvGrpSpPr/>
+        <p:nvPr/>
+      </p:nvGrpSpPr>
+      <p:grpSpPr>
+        <a:xfrm>
+          <a:off x="0" y="0"/>
+          <a:ext cx="0" cy="0"/>
+          <a:chOff x="0" y="0"/>
+          <a:chExt cx="0" cy="0"/>
+        </a:xfrm>
+      </p:grpSpPr>
+      <p:sp>
+        <p:nvSpPr>
           <p:cNvPr id="2" name="Title 1"/>
           <p:cNvSpPr>
             <a:spLocks noGrp="1"/>
@@ -4779,7 +5610,7 @@
     </p:spTree>
     <p:extLst>
       <p:ext uri="{BB962C8B-B14F-4D97-AF65-F5344CB8AC3E}">
-        <p14:creationId xmlns:p14="http://schemas.microsoft.com/office/powerpoint/2010/main" val="700395730"/>
+        <p14:creationId xmlns:p14="http://schemas.microsoft.com/office/powerpoint/2010/main" val="3271074937"/>
       </p:ext>
     </p:extLst>
   </p:cSld>
@@ -5412,7 +6243,7 @@
 </p:sld>
 </file>
 
-<file path=ppt/slides/slide11.xml><?xml version="1.0" encoding="utf-8"?>
+<file path=ppt/slides/slide13.xml><?xml version="1.0" encoding="utf-8"?>
 <p:sld xmlns:a="http://schemas.openxmlformats.org/drawingml/2006/main" xmlns:r="http://schemas.openxmlformats.org/officeDocument/2006/relationships" xmlns:p="http://schemas.openxmlformats.org/presentationml/2006/main">
   <p:cSld>
     <p:spTree>
@@ -5472,7 +6303,7 @@
         </p:spPr>
         <p:txBody>
           <a:bodyPr>
-            <a:normAutofit fontScale="77500" lnSpcReduction="20000"/>
+            <a:normAutofit fontScale="70000" lnSpcReduction="20000"/>
           </a:bodyPr>
           <a:lstStyle/>
           <a:p>
@@ -5516,12 +6347,8 @@
           </a:p>
           <a:p>
             <a:r>
-              <a:rPr lang="en-US" dirty="0" err="1"/>
-              <a:t>Analyse</a:t>
-            </a:r>
-            <a:r>
               <a:rPr lang="en-US" dirty="0"/>
-              <a:t> covariance matrix based on pairwise complete observations</a:t>
+              <a:t>Analysis based on pairwise complete observations</a:t>
             </a:r>
           </a:p>
           <a:p>
@@ -5529,6 +6356,13 @@
             <a:r>
               <a:rPr lang="en-US" dirty="0"/>
               <a:t>Unbiased parameter estimates when missing data are MAR</a:t>
+            </a:r>
+          </a:p>
+          <a:p>
+            <a:pPr lvl="1"/>
+            <a:r>
+              <a:rPr lang="en-US" dirty="0"/>
+              <a:t>Can add ’auxiliary variable(s)’ (i.e., variable(s) that contain information about missing values, but were not part of the original model) to turn MNAR into MAR</a:t>
             </a:r>
           </a:p>
           <a:p>
@@ -5807,33 +6641,15 @@
                                   </p:childTnLst>
                                 </p:cTn>
                               </p:par>
-                            </p:childTnLst>
-                          </p:cTn>
-                        </p:par>
-                      </p:childTnLst>
-                    </p:cTn>
-                  </p:par>
-                  <p:par>
-                    <p:cTn id="19" fill="hold">
-                      <p:stCondLst>
-                        <p:cond delay="indefinite"/>
-                      </p:stCondLst>
-                      <p:childTnLst>
-                        <p:par>
-                          <p:cTn id="20" fill="hold">
-                            <p:stCondLst>
-                              <p:cond delay="0"/>
-                            </p:stCondLst>
-                            <p:childTnLst>
                               <p:par>
-                                <p:cTn id="21" presetID="1" presetClass="entr" presetSubtype="0" fill="hold" grpId="0" nodeType="clickEffect">
+                                <p:cTn id="19" presetID="1" presetClass="entr" presetSubtype="0" fill="hold" grpId="0" nodeType="withEffect">
                                   <p:stCondLst>
                                     <p:cond delay="0"/>
                                   </p:stCondLst>
                                   <p:childTnLst>
                                     <p:set>
                                       <p:cBhvr>
-                                        <p:cTn id="22" dur="1" fill="hold">
+                                        <p:cTn id="20" dur="1" fill="hold">
                                           <p:stCondLst>
                                             <p:cond delay="0"/>
                                           </p:stCondLst>
@@ -5856,8 +6672,26 @@
                                   </p:childTnLst>
                                 </p:cTn>
                               </p:par>
+                            </p:childTnLst>
+                          </p:cTn>
+                        </p:par>
+                      </p:childTnLst>
+                    </p:cTn>
+                  </p:par>
+                  <p:par>
+                    <p:cTn id="21" fill="hold">
+                      <p:stCondLst>
+                        <p:cond delay="indefinite"/>
+                      </p:stCondLst>
+                      <p:childTnLst>
+                        <p:par>
+                          <p:cTn id="22" fill="hold">
+                            <p:stCondLst>
+                              <p:cond delay="0"/>
+                            </p:stCondLst>
+                            <p:childTnLst>
                               <p:par>
-                                <p:cTn id="23" presetID="1" presetClass="entr" presetSubtype="0" fill="hold" grpId="0" nodeType="withEffect">
+                                <p:cTn id="23" presetID="1" presetClass="entr" presetSubtype="0" fill="hold" grpId="0" nodeType="clickEffect">
                                   <p:stCondLst>
                                     <p:cond delay="0"/>
                                   </p:stCondLst>
@@ -5918,33 +6752,15 @@
                                   </p:childTnLst>
                                 </p:cTn>
                               </p:par>
-                            </p:childTnLst>
-                          </p:cTn>
-                        </p:par>
-                      </p:childTnLst>
-                    </p:cTn>
-                  </p:par>
-                  <p:par>
-                    <p:cTn id="27" fill="hold">
-                      <p:stCondLst>
-                        <p:cond delay="indefinite"/>
-                      </p:stCondLst>
-                      <p:childTnLst>
-                        <p:par>
-                          <p:cTn id="28" fill="hold">
-                            <p:stCondLst>
-                              <p:cond delay="0"/>
-                            </p:stCondLst>
-                            <p:childTnLst>
                               <p:par>
-                                <p:cTn id="29" presetID="1" presetClass="entr" presetSubtype="0" fill="hold" grpId="0" nodeType="clickEffect">
+                                <p:cTn id="27" presetID="1" presetClass="entr" presetSubtype="0" fill="hold" grpId="0" nodeType="withEffect">
                                   <p:stCondLst>
                                     <p:cond delay="0"/>
                                   </p:stCondLst>
                                   <p:childTnLst>
                                     <p:set>
                                       <p:cBhvr>
-                                        <p:cTn id="30" dur="1" fill="hold">
+                                        <p:cTn id="28" dur="1" fill="hold">
                                           <p:stCondLst>
                                             <p:cond delay="0"/>
                                           </p:stCondLst>
@@ -5967,8 +6783,26 @@
                                   </p:childTnLst>
                                 </p:cTn>
                               </p:par>
+                            </p:childTnLst>
+                          </p:cTn>
+                        </p:par>
+                      </p:childTnLst>
+                    </p:cTn>
+                  </p:par>
+                  <p:par>
+                    <p:cTn id="29" fill="hold">
+                      <p:stCondLst>
+                        <p:cond delay="indefinite"/>
+                      </p:stCondLst>
+                      <p:childTnLst>
+                        <p:par>
+                          <p:cTn id="30" fill="hold">
+                            <p:stCondLst>
+                              <p:cond delay="0"/>
+                            </p:stCondLst>
+                            <p:childTnLst>
                               <p:par>
-                                <p:cTn id="31" presetID="1" presetClass="entr" presetSubtype="0" fill="hold" grpId="0" nodeType="withEffect">
+                                <p:cTn id="31" presetID="1" presetClass="entr" presetSubtype="0" fill="hold" grpId="0" nodeType="clickEffect">
                                   <p:stCondLst>
                                     <p:cond delay="0"/>
                                   </p:stCondLst>
@@ -6015,6 +6849,37 @@
                                           <p:spTgt spid="3">
                                             <p:txEl>
                                               <p:pRg st="11" end="11"/>
+                                            </p:txEl>
+                                          </p:spTgt>
+                                        </p:tgtEl>
+                                        <p:attrNameLst>
+                                          <p:attrName>style.visibility</p:attrName>
+                                        </p:attrNameLst>
+                                      </p:cBhvr>
+                                      <p:to>
+                                        <p:strVal val="visible"/>
+                                      </p:to>
+                                    </p:set>
+                                  </p:childTnLst>
+                                </p:cTn>
+                              </p:par>
+                              <p:par>
+                                <p:cTn id="35" presetID="1" presetClass="entr" presetSubtype="0" fill="hold" grpId="0" nodeType="withEffect">
+                                  <p:stCondLst>
+                                    <p:cond delay="0"/>
+                                  </p:stCondLst>
+                                  <p:childTnLst>
+                                    <p:set>
+                                      <p:cBhvr>
+                                        <p:cTn id="36" dur="1" fill="hold">
+                                          <p:stCondLst>
+                                            <p:cond delay="0"/>
+                                          </p:stCondLst>
+                                        </p:cTn>
+                                        <p:tgtEl>
+                                          <p:spTgt spid="3">
+                                            <p:txEl>
+                                              <p:pRg st="12" end="12"/>
                                             </p:txEl>
                                           </p:spTgt>
                                         </p:tgtEl>
@@ -7530,7 +8395,7 @@
           <p:cNvPr id="2" name="Title 1">
             <a:extLst>
               <a:ext uri="{FF2B5EF4-FFF2-40B4-BE49-F238E27FC236}">
-                <a16:creationId xmlns:a16="http://schemas.microsoft.com/office/drawing/2014/main" id="{85FA844A-AABA-45AA-9F0D-009165238F9D}"/>
+                <a16:creationId xmlns:a16="http://schemas.microsoft.com/office/drawing/2014/main" id="{BFBA6E2D-BCEB-42EC-ADC6-2FA9BA0182FA}"/>
               </a:ext>
             </a:extLst>
           </p:cNvPr>
@@ -7543,16 +8408,10 @@
         </p:nvSpPr>
         <p:spPr/>
         <p:txBody>
-          <a:bodyPr>
-            <a:normAutofit fontScale="90000"/>
-          </a:bodyPr>
+          <a:bodyPr/>
           <a:lstStyle/>
           <a:p>
-            <a:r>
-              <a:rPr lang="en-US" dirty="0"/>
-              <a:t>Remove items because loadings are too low?</a:t>
-            </a:r>
-            <a:endParaRPr lang="nl-NL" dirty="0"/>
+            <a:endParaRPr lang="nl-NL"/>
           </a:p>
         </p:txBody>
       </p:sp>
@@ -7561,7 +8420,7 @@
           <p:cNvPr id="3" name="Content Placeholder 2">
             <a:extLst>
               <a:ext uri="{FF2B5EF4-FFF2-40B4-BE49-F238E27FC236}">
-                <a16:creationId xmlns:a16="http://schemas.microsoft.com/office/drawing/2014/main" id="{0B2C10E9-5DEC-42EE-9572-F8061B3362FB}"/>
+                <a16:creationId xmlns:a16="http://schemas.microsoft.com/office/drawing/2014/main" id="{F7F0C407-D35F-4442-BB79-62643DBB4E6A}"/>
               </a:ext>
             </a:extLst>
           </p:cNvPr>
@@ -7577,61 +8436,43 @@
           <a:bodyPr/>
           <a:lstStyle/>
           <a:p>
-            <a:r>
-              <a:rPr lang="en-US" dirty="0"/>
-              <a:t>No!</a:t>
-            </a:r>
-          </a:p>
-          <a:p>
-            <a:pPr lvl="1"/>
-            <a:r>
-              <a:rPr lang="en-US" dirty="0"/>
-              <a:t>CFA fit measures should not be the main determinant of validity! </a:t>
-            </a:r>
-            <a:r>
-              <a:rPr lang="en-US" i="1" dirty="0"/>
-              <a:t>You</a:t>
-            </a:r>
-            <a:r>
-              <a:rPr lang="en-US" dirty="0"/>
-              <a:t> define the construct.</a:t>
-            </a:r>
-          </a:p>
-          <a:p>
-            <a:pPr lvl="1"/>
-            <a:r>
-              <a:rPr lang="en-US" dirty="0"/>
-              <a:t>Check item content when loadings are low: </a:t>
-            </a:r>
-          </a:p>
-          <a:p>
-            <a:pPr lvl="2"/>
-            <a:r>
-              <a:rPr lang="en-US" dirty="0"/>
-              <a:t>Can improve the item? </a:t>
-            </a:r>
-          </a:p>
-          <a:p>
-            <a:pPr lvl="2"/>
-            <a:r>
-              <a:rPr lang="en-US" dirty="0"/>
-              <a:t>Might this item simply have low variance, explaining the low loadings?</a:t>
-            </a:r>
-          </a:p>
-          <a:p>
-            <a:pPr lvl="1"/>
-            <a:r>
-              <a:rPr lang="en-US" dirty="0"/>
-              <a:t>If you want to remove an item: Make sure content validity is not harmed. It is in the questionnaire for a reason.</a:t>
-            </a:r>
-            <a:endParaRPr lang="nl-NL" dirty="0"/>
-          </a:p>
-        </p:txBody>
-      </p:sp>
+            <a:endParaRPr lang="nl-NL"/>
+          </a:p>
+        </p:txBody>
+      </p:sp>
+      <p:pic>
+        <p:nvPicPr>
+          <p:cNvPr id="4" name="Picture 3">
+            <a:extLst>
+              <a:ext uri="{FF2B5EF4-FFF2-40B4-BE49-F238E27FC236}">
+                <a16:creationId xmlns:a16="http://schemas.microsoft.com/office/drawing/2014/main" id="{1255C534-363A-4B71-80E1-01187576E9B7}"/>
+              </a:ext>
+            </a:extLst>
+          </p:cNvPr>
+          <p:cNvPicPr>
+            <a:picLocks noChangeAspect="1"/>
+          </p:cNvPicPr>
+          <p:nvPr/>
+        </p:nvPicPr>
+        <p:blipFill rotWithShape="1">
+          <a:blip r:embed="rId2"/>
+          <a:srcRect l="10834" t="26201" r="9838" b="9400"/>
+          <a:stretch/>
+        </p:blipFill>
+        <p:spPr>
+          <a:xfrm>
+            <a:off x="239242" y="2412820"/>
+            <a:ext cx="8900212" cy="4064180"/>
+          </a:xfrm>
+          <a:prstGeom prst="rect">
+            <a:avLst/>
+          </a:prstGeom>
+        </p:spPr>
+      </p:pic>
     </p:spTree>
     <p:extLst>
       <p:ext uri="{BB962C8B-B14F-4D97-AF65-F5344CB8AC3E}">
-        <p14:creationId xmlns:p14="http://schemas.microsoft.com/office/powerpoint/2010/main" val="3379888713"/>
+        <p14:creationId xmlns:p14="http://schemas.microsoft.com/office/powerpoint/2010/main" val="2005929149"/>
       </p:ext>
     </p:extLst>
   </p:cSld>
@@ -7663,7 +8504,7 @@
           <p:cNvPr id="2" name="Title 1">
             <a:extLst>
               <a:ext uri="{FF2B5EF4-FFF2-40B4-BE49-F238E27FC236}">
-                <a16:creationId xmlns:a16="http://schemas.microsoft.com/office/drawing/2014/main" id="{923AE432-DF94-4CA6-B577-07333EDE7AE6}"/>
+                <a16:creationId xmlns:a16="http://schemas.microsoft.com/office/drawing/2014/main" id="{85FA844A-AABA-45AA-9F0D-009165238F9D}"/>
               </a:ext>
             </a:extLst>
           </p:cNvPr>
@@ -7676,12 +8517,14 @@
         </p:nvSpPr>
         <p:spPr/>
         <p:txBody>
-          <a:bodyPr/>
+          <a:bodyPr>
+            <a:normAutofit fontScale="90000"/>
+          </a:bodyPr>
           <a:lstStyle/>
           <a:p>
             <a:r>
               <a:rPr lang="en-US" dirty="0"/>
-              <a:t>Missing data?</a:t>
+              <a:t>Remove items because loadings are too low?</a:t>
             </a:r>
             <a:endParaRPr lang="nl-NL" dirty="0"/>
           </a:p>
@@ -7692,7 +8535,7 @@
           <p:cNvPr id="3" name="Content Placeholder 2">
             <a:extLst>
               <a:ext uri="{FF2B5EF4-FFF2-40B4-BE49-F238E27FC236}">
-                <a16:creationId xmlns:a16="http://schemas.microsoft.com/office/drawing/2014/main" id="{9B151ED8-DFBC-40AF-A8B6-325A8EA3F199}"/>
+                <a16:creationId xmlns:a16="http://schemas.microsoft.com/office/drawing/2014/main" id="{0B2C10E9-5DEC-42EE-9572-F8061B3362FB}"/>
               </a:ext>
             </a:extLst>
           </p:cNvPr>
@@ -7705,82 +8548,64 @@
         </p:nvSpPr>
         <p:spPr/>
         <p:txBody>
-          <a:bodyPr>
-            <a:normAutofit fontScale="92500" lnSpcReduction="20000"/>
-          </a:bodyPr>
+          <a:bodyPr/>
           <a:lstStyle/>
           <a:p>
             <a:r>
               <a:rPr lang="en-US" dirty="0"/>
-              <a:t>With (R)ML estimation, can use full-information maximum likelihood (FIML). Add to call: </a:t>
-            </a:r>
-          </a:p>
-          <a:p>
-            <a:pPr marL="320040" lvl="1" indent="0">
-              <a:buNone/>
-            </a:pPr>
-            <a:r>
-              <a:rPr lang="en-US" dirty="0">
-                <a:latin typeface="Courier New" panose="02070309020205020404" pitchFamily="49" charset="0"/>
-                <a:cs typeface="Courier New" panose="02070309020205020404" pitchFamily="49" charset="0"/>
-              </a:rPr>
-              <a:t>missing = “film”</a:t>
-            </a:r>
-          </a:p>
-          <a:p>
+              <a:t>No!</a:t>
+            </a:r>
+          </a:p>
+          <a:p>
+            <a:pPr lvl="1"/>
             <a:r>
               <a:rPr lang="en-US" dirty="0"/>
-              <a:t>With DWLS(MV) estimation, can use pairwise-complete observations. Add to call: </a:t>
-            </a:r>
-          </a:p>
-          <a:p>
-            <a:pPr marL="320040" lvl="1" indent="0">
-              <a:buNone/>
-            </a:pPr>
-            <a:r>
-              <a:rPr lang="en-US" dirty="0">
-                <a:latin typeface="Courier New" panose="02070309020205020404" pitchFamily="49" charset="0"/>
-                <a:cs typeface="Courier New" panose="02070309020205020404" pitchFamily="49" charset="0"/>
-              </a:rPr>
-              <a:t>missing = “pairwise”</a:t>
-            </a:r>
-          </a:p>
-          <a:p>
-            <a:pPr marL="457200" indent="-457200"/>
+              <a:t>CFA fit measures should not be the main determinant of validity! </a:t>
+            </a:r>
+            <a:r>
+              <a:rPr lang="en-US" i="1" dirty="0"/>
+              <a:t>You</a:t>
+            </a:r>
             <a:r>
               <a:rPr lang="en-US" dirty="0"/>
-              <a:t>Multiple imputation is the gold standard. Outside the scope of this basic course. In fact, FIML (and pairwise complete) often perform equally well</a:t>
-            </a:r>
-          </a:p>
-          <a:p>
-            <a:pPr marL="777240" lvl="1" indent="-457200"/>
-            <a:r>
-              <a:rPr lang="en-US" sz="2900" dirty="0"/>
-              <a:t>Schafer, J.L. and Graham, J.W. (2002). Missing Data: Our View of the State of the Art. </a:t>
-            </a:r>
-            <a:r>
-              <a:rPr lang="en-US" sz="2900" i="1" dirty="0"/>
-              <a:t>Psychological Methods, 7</a:t>
-            </a:r>
-            <a:r>
-              <a:rPr lang="en-US" sz="2900" dirty="0"/>
-              <a:t>(2),</a:t>
-            </a:r>
-            <a:r>
-              <a:rPr lang="nl-NL" sz="2900" dirty="0"/>
-              <a:t> 147-177.</a:t>
-            </a:r>
-          </a:p>
-          <a:p>
-            <a:pPr marL="457200" indent="-457200"/>
-            <a:endParaRPr lang="en-US" dirty="0"/>
+              <a:t> define the construct.</a:t>
+            </a:r>
+          </a:p>
+          <a:p>
+            <a:pPr lvl="1"/>
+            <a:r>
+              <a:rPr lang="en-US" dirty="0"/>
+              <a:t>Check item content when loadings are low: </a:t>
+            </a:r>
+          </a:p>
+          <a:p>
+            <a:pPr lvl="2"/>
+            <a:r>
+              <a:rPr lang="en-US" dirty="0"/>
+              <a:t>Can improve the item? </a:t>
+            </a:r>
+          </a:p>
+          <a:p>
+            <a:pPr lvl="2"/>
+            <a:r>
+              <a:rPr lang="en-US" dirty="0"/>
+              <a:t>Might this item simply have low variance, explaining the low loadings?</a:t>
+            </a:r>
+          </a:p>
+          <a:p>
+            <a:pPr lvl="1"/>
+            <a:r>
+              <a:rPr lang="en-US" dirty="0"/>
+              <a:t>If you want to remove an item: Make sure content validity is not harmed. It is in the questionnaire for a reason.</a:t>
+            </a:r>
+            <a:endParaRPr lang="nl-NL" dirty="0"/>
           </a:p>
         </p:txBody>
       </p:sp>
     </p:spTree>
     <p:extLst>
       <p:ext uri="{BB962C8B-B14F-4D97-AF65-F5344CB8AC3E}">
-        <p14:creationId xmlns:p14="http://schemas.microsoft.com/office/powerpoint/2010/main" val="2168011308"/>
+        <p14:creationId xmlns:p14="http://schemas.microsoft.com/office/powerpoint/2010/main" val="3379888713"/>
       </p:ext>
     </p:extLst>
   </p:cSld>
@@ -7812,7 +8637,7 @@
           <p:cNvPr id="2" name="Title 1">
             <a:extLst>
               <a:ext uri="{FF2B5EF4-FFF2-40B4-BE49-F238E27FC236}">
-                <a16:creationId xmlns:a16="http://schemas.microsoft.com/office/drawing/2014/main" id="{FCB4D575-6CE6-4BC9-97A8-FC3EB552C260}"/>
+                <a16:creationId xmlns:a16="http://schemas.microsoft.com/office/drawing/2014/main" id="{923AE432-DF94-4CA6-B577-07333EDE7AE6}"/>
               </a:ext>
             </a:extLst>
           </p:cNvPr>
@@ -7828,7 +8653,11 @@
           <a:bodyPr/>
           <a:lstStyle/>
           <a:p>
-            <a:endParaRPr lang="nl-NL"/>
+            <a:r>
+              <a:rPr lang="en-US" dirty="0"/>
+              <a:t>Missing data?</a:t>
+            </a:r>
+            <a:endParaRPr lang="nl-NL" dirty="0"/>
           </a:p>
         </p:txBody>
       </p:sp>
@@ -7837,7 +8666,7 @@
           <p:cNvPr id="3" name="Content Placeholder 2">
             <a:extLst>
               <a:ext uri="{FF2B5EF4-FFF2-40B4-BE49-F238E27FC236}">
-                <a16:creationId xmlns:a16="http://schemas.microsoft.com/office/drawing/2014/main" id="{15887BCF-79BE-4B9A-AB75-614F3FA3E91D}"/>
+                <a16:creationId xmlns:a16="http://schemas.microsoft.com/office/drawing/2014/main" id="{9B151ED8-DFBC-40AF-A8B6-325A8EA3F199}"/>
               </a:ext>
             </a:extLst>
           </p:cNvPr>
@@ -7850,17 +8679,96 @@
         </p:nvSpPr>
         <p:spPr/>
         <p:txBody>
-          <a:bodyPr/>
+          <a:bodyPr>
+            <a:normAutofit fontScale="92500" lnSpcReduction="20000"/>
+          </a:bodyPr>
           <a:lstStyle/>
           <a:p>
-            <a:endParaRPr lang="nl-NL"/>
+            <a:r>
+              <a:rPr lang="en-US" dirty="0"/>
+              <a:t>With (R)ML estimation, can use full-information maximum likelihood (FIML). Add to call: </a:t>
+            </a:r>
+          </a:p>
+          <a:p>
+            <a:pPr marL="320040" lvl="1" indent="0">
+              <a:buNone/>
+            </a:pPr>
+            <a:r>
+              <a:rPr lang="en-US" dirty="0">
+                <a:latin typeface="Courier New" panose="02070309020205020404" pitchFamily="49" charset="0"/>
+                <a:cs typeface="Courier New" panose="02070309020205020404" pitchFamily="49" charset="0"/>
+              </a:rPr>
+              <a:t>missing = “</a:t>
+            </a:r>
+            <a:r>
+              <a:rPr lang="en-US" dirty="0" err="1">
+                <a:latin typeface="Courier New" panose="02070309020205020404" pitchFamily="49" charset="0"/>
+                <a:cs typeface="Courier New" panose="02070309020205020404" pitchFamily="49" charset="0"/>
+              </a:rPr>
+              <a:t>fiml</a:t>
+            </a:r>
+            <a:r>
+              <a:rPr lang="en-US" dirty="0">
+                <a:latin typeface="Courier New" panose="02070309020205020404" pitchFamily="49" charset="0"/>
+                <a:cs typeface="Courier New" panose="02070309020205020404" pitchFamily="49" charset="0"/>
+              </a:rPr>
+              <a:t>”</a:t>
+            </a:r>
+          </a:p>
+          <a:p>
+            <a:r>
+              <a:rPr lang="en-US" dirty="0"/>
+              <a:t>With DWLS(MV) estimation, can use pairwise-complete observations. Add to call: </a:t>
+            </a:r>
+          </a:p>
+          <a:p>
+            <a:pPr marL="320040" lvl="1" indent="0">
+              <a:buNone/>
+            </a:pPr>
+            <a:r>
+              <a:rPr lang="en-US" dirty="0">
+                <a:latin typeface="Courier New" panose="02070309020205020404" pitchFamily="49" charset="0"/>
+                <a:cs typeface="Courier New" panose="02070309020205020404" pitchFamily="49" charset="0"/>
+              </a:rPr>
+              <a:t>missing = “pairwise”</a:t>
+            </a:r>
+          </a:p>
+          <a:p>
+            <a:pPr marL="457200" indent="-457200"/>
+            <a:r>
+              <a:rPr lang="en-US" dirty="0"/>
+              <a:t>Multiple imputation is the gold standard. Outside the scope of this basic course. In fact, FIML (and pairwise complete) often perform equally well</a:t>
+            </a:r>
+          </a:p>
+          <a:p>
+            <a:pPr marL="777240" lvl="1" indent="-457200"/>
+            <a:r>
+              <a:rPr lang="en-US" sz="2900" dirty="0"/>
+              <a:t>Schafer, J.L. and Graham, J.W. (2002). Missing Data: Our View of the State of the Art. </a:t>
+            </a:r>
+            <a:r>
+              <a:rPr lang="en-US" sz="2900" i="1" dirty="0"/>
+              <a:t>Psychological Methods, 7</a:t>
+            </a:r>
+            <a:r>
+              <a:rPr lang="en-US" sz="2900" dirty="0"/>
+              <a:t>(2),</a:t>
+            </a:r>
+            <a:r>
+              <a:rPr lang="nl-NL" sz="2900" dirty="0"/>
+              <a:t> 147-177.</a:t>
+            </a:r>
+          </a:p>
+          <a:p>
+            <a:pPr marL="457200" indent="-457200"/>
+            <a:endParaRPr lang="en-US" dirty="0"/>
           </a:p>
         </p:txBody>
       </p:sp>
     </p:spTree>
     <p:extLst>
       <p:ext uri="{BB962C8B-B14F-4D97-AF65-F5344CB8AC3E}">
-        <p14:creationId xmlns:p14="http://schemas.microsoft.com/office/powerpoint/2010/main" val="1499998847"/>
+        <p14:creationId xmlns:p14="http://schemas.microsoft.com/office/powerpoint/2010/main" val="2168011308"/>
       </p:ext>
     </p:extLst>
   </p:cSld>
